--- a/documentation/IMS_Presentation.pptx
+++ b/documentation/IMS_Presentation.pptx
@@ -120,6 +120,11 @@
       </a:defRPr>
     </a:lvl9pPr>
   </p:defaultTextStyle>
+  <p:extLst>
+    <p:ext uri="{EFAFB233-063F-42B5-8137-9DF3F51BA10A}">
+      <p15:sldGuideLst xmlns:p15="http://schemas.microsoft.com/office/powerpoint/2012/main"/>
+    </p:ext>
+  </p:extLst>
 </p:presentation>
 </file>
 
@@ -675,28 +680,7 @@
           <a:bodyPr/>
           <a:lstStyle/>
           <a:p>
-            <a:r>
-              <a:rPr lang="en-US" dirty="0"/>
-              <a:t>Clone the repository</a:t>
-            </a:r>
-          </a:p>
-          <a:p>
             <a:endParaRPr lang="en-US" dirty="0"/>
-          </a:p>
-          <a:p>
-            <a:r>
-              <a:rPr lang="en-US" dirty="0"/>
-              <a:t>Create and push a dev branch</a:t>
-            </a:r>
-          </a:p>
-          <a:p>
-            <a:endParaRPr lang="en-US" dirty="0"/>
-          </a:p>
-          <a:p>
-            <a:r>
-              <a:rPr lang="en-US" dirty="0"/>
-              <a:t>Start creating feature branches off dev and merge them when you’re done</a:t>
-            </a:r>
           </a:p>
         </p:txBody>
       </p:sp>
@@ -781,64 +765,6 @@
           <a:lstStyle/>
           <a:p>
             <a:endParaRPr lang="en-US" dirty="0"/>
-          </a:p>
-          <a:p>
-            <a:r>
-              <a:rPr lang="en-US" dirty="0"/>
-              <a:t>Controller creates list named items containing Item objects using the </a:t>
-            </a:r>
-            <a:r>
-              <a:rPr lang="en-US" dirty="0" err="1"/>
-              <a:t>readAll</a:t>
-            </a:r>
-            <a:r>
-              <a:rPr lang="en-US" dirty="0"/>
-              <a:t>() function from </a:t>
-            </a:r>
-            <a:r>
-              <a:rPr lang="en-US" dirty="0" err="1"/>
-              <a:t>dao</a:t>
-            </a:r>
-            <a:endParaRPr lang="en-US" dirty="0"/>
-          </a:p>
-          <a:p>
-            <a:endParaRPr lang="en-US" dirty="0"/>
-          </a:p>
-          <a:p>
-            <a:r>
-              <a:rPr lang="en-US" dirty="0" err="1"/>
-              <a:t>readall</a:t>
-            </a:r>
-            <a:r>
-              <a:rPr lang="en-US" dirty="0"/>
-              <a:t>() function prepares a query to be  sent to MySQL DB in this case “SELECT * FROM items;”</a:t>
-            </a:r>
-          </a:p>
-          <a:p>
-            <a:endParaRPr lang="en-US" dirty="0"/>
-          </a:p>
-          <a:p>
-            <a:r>
-              <a:rPr lang="en-US" dirty="0"/>
-              <a:t>Stores the return of the query into items list using the </a:t>
-            </a:r>
-            <a:r>
-              <a:rPr lang="en-US" dirty="0" err="1"/>
-              <a:t>modelFromResultset</a:t>
-            </a:r>
-            <a:r>
-              <a:rPr lang="en-US" dirty="0"/>
-              <a:t> as a template for List object creation</a:t>
-            </a:r>
-          </a:p>
-          <a:p>
-            <a:endParaRPr lang="en-US" dirty="0"/>
-          </a:p>
-          <a:p>
-            <a:r>
-              <a:rPr lang="en-US" dirty="0"/>
-              <a:t>For loop in controller makes sure all objects stored in the list are iterated over and printed to the console</a:t>
-            </a:r>
           </a:p>
         </p:txBody>
       </p:sp>
@@ -1012,7 +938,7 @@
           <a:noFill/>
           <a:extLst>
             <a:ext uri="{909E8E84-426E-40dd-AFC4-6F175D3DCCD1}">
-              <a14:hiddenFill xmlns:a14="http://schemas.microsoft.com/office/drawing/2010/main" xmlns="">
+              <a14:hiddenFill xmlns="" xmlns:a14="http://schemas.microsoft.com/office/drawing/2010/main">
                 <a:solidFill>
                   <a:srgbClr val="FFFFFF"/>
                 </a:solidFill>
@@ -1072,7 +998,7 @@
             </a:ln>
             <a:extLst>
               <a:ext uri="{91240B29-F687-4f45-9708-019B960494DF}">
-                <a14:hiddenLine xmlns:a14="http://schemas.microsoft.com/office/drawing/2010/main" xmlns="" w="9525">
+                <a14:hiddenLine xmlns="" xmlns:a14="http://schemas.microsoft.com/office/drawing/2010/main" w="9525">
                   <a:solidFill>
                     <a:srgbClr val="000000"/>
                   </a:solidFill>
@@ -1162,7 +1088,7 @@
             </a:ln>
             <a:extLst>
               <a:ext uri="{91240B29-F687-4f45-9708-019B960494DF}">
-                <a14:hiddenLine xmlns:a14="http://schemas.microsoft.com/office/drawing/2010/main" xmlns="" w="9525">
+                <a14:hiddenLine xmlns="" xmlns:a14="http://schemas.microsoft.com/office/drawing/2010/main" w="9525">
                   <a:solidFill>
                     <a:srgbClr val="000000"/>
                   </a:solidFill>
@@ -1252,7 +1178,7 @@
             </a:ln>
             <a:extLst>
               <a:ext uri="{91240B29-F687-4f45-9708-019B960494DF}">
-                <a14:hiddenLine xmlns:a14="http://schemas.microsoft.com/office/drawing/2010/main" xmlns="" w="9525">
+                <a14:hiddenLine xmlns="" xmlns:a14="http://schemas.microsoft.com/office/drawing/2010/main" w="9525">
                   <a:solidFill>
                     <a:srgbClr val="000000"/>
                   </a:solidFill>
@@ -1286,7 +1212,7 @@
             </a:ln>
             <a:extLst>
               <a:ext uri="{91240B29-F687-4f45-9708-019B960494DF}">
-                <a14:hiddenLine xmlns:a14="http://schemas.microsoft.com/office/drawing/2010/main" xmlns="" w="9525">
+                <a14:hiddenLine xmlns="" xmlns:a14="http://schemas.microsoft.com/office/drawing/2010/main" w="9525">
                   <a:solidFill>
                     <a:srgbClr val="000000"/>
                   </a:solidFill>
@@ -1376,7 +1302,7 @@
             </a:ln>
             <a:extLst>
               <a:ext uri="{91240B29-F687-4f45-9708-019B960494DF}">
-                <a14:hiddenLine xmlns:a14="http://schemas.microsoft.com/office/drawing/2010/main" xmlns="" w="9525">
+                <a14:hiddenLine xmlns="" xmlns:a14="http://schemas.microsoft.com/office/drawing/2010/main" w="9525">
                   <a:solidFill>
                     <a:srgbClr val="000000"/>
                   </a:solidFill>
@@ -1438,7 +1364,7 @@
             </a:ln>
             <a:extLst>
               <a:ext uri="{91240B29-F687-4f45-9708-019B960494DF}">
-                <a14:hiddenLine xmlns:a14="http://schemas.microsoft.com/office/drawing/2010/main" xmlns="" w="9525">
+                <a14:hiddenLine xmlns="" xmlns:a14="http://schemas.microsoft.com/office/drawing/2010/main" w="9525">
                   <a:solidFill>
                     <a:srgbClr val="000000"/>
                   </a:solidFill>
@@ -1500,7 +1426,7 @@
             </a:ln>
             <a:extLst>
               <a:ext uri="{91240B29-F687-4f45-9708-019B960494DF}">
-                <a14:hiddenLine xmlns:a14="http://schemas.microsoft.com/office/drawing/2010/main" xmlns="" w="9525">
+                <a14:hiddenLine xmlns="" xmlns:a14="http://schemas.microsoft.com/office/drawing/2010/main" w="9525">
                   <a:solidFill>
                     <a:srgbClr val="000000"/>
                   </a:solidFill>
@@ -1590,7 +1516,7 @@
             </a:ln>
             <a:extLst>
               <a:ext uri="{91240B29-F687-4f45-9708-019B960494DF}">
-                <a14:hiddenLine xmlns:a14="http://schemas.microsoft.com/office/drawing/2010/main" xmlns="" w="9525">
+                <a14:hiddenLine xmlns="" xmlns:a14="http://schemas.microsoft.com/office/drawing/2010/main" w="9525">
                   <a:solidFill>
                     <a:srgbClr val="000000"/>
                   </a:solidFill>
@@ -1652,7 +1578,7 @@
             </a:ln>
             <a:extLst>
               <a:ext uri="{91240B29-F687-4f45-9708-019B960494DF}">
-                <a14:hiddenLine xmlns:a14="http://schemas.microsoft.com/office/drawing/2010/main" xmlns="" w="9525">
+                <a14:hiddenLine xmlns="" xmlns:a14="http://schemas.microsoft.com/office/drawing/2010/main" w="9525">
                   <a:solidFill>
                     <a:srgbClr val="000000"/>
                   </a:solidFill>
@@ -1714,7 +1640,7 @@
             </a:ln>
             <a:extLst>
               <a:ext uri="{91240B29-F687-4f45-9708-019B960494DF}">
-                <a14:hiddenLine xmlns:a14="http://schemas.microsoft.com/office/drawing/2010/main" xmlns="" w="9525">
+                <a14:hiddenLine xmlns="" xmlns:a14="http://schemas.microsoft.com/office/drawing/2010/main" w="9525">
                   <a:solidFill>
                     <a:srgbClr val="000000"/>
                   </a:solidFill>
@@ -1804,7 +1730,7 @@
             </a:ln>
             <a:extLst>
               <a:ext uri="{91240B29-F687-4f45-9708-019B960494DF}">
-                <a14:hiddenLine xmlns:a14="http://schemas.microsoft.com/office/drawing/2010/main" xmlns="" w="9525">
+                <a14:hiddenLine xmlns="" xmlns:a14="http://schemas.microsoft.com/office/drawing/2010/main" w="9525">
                   <a:solidFill>
                     <a:srgbClr val="000000"/>
                   </a:solidFill>
@@ -1894,7 +1820,7 @@
             </a:ln>
             <a:extLst>
               <a:ext uri="{91240B29-F687-4f45-9708-019B960494DF}">
-                <a14:hiddenLine xmlns:a14="http://schemas.microsoft.com/office/drawing/2010/main" xmlns="" w="9525">
+                <a14:hiddenLine xmlns="" xmlns:a14="http://schemas.microsoft.com/office/drawing/2010/main" w="9525">
                   <a:solidFill>
                     <a:srgbClr val="000000"/>
                   </a:solidFill>
@@ -1956,7 +1882,7 @@
             </a:ln>
             <a:extLst>
               <a:ext uri="{91240B29-F687-4f45-9708-019B960494DF}">
-                <a14:hiddenLine xmlns:a14="http://schemas.microsoft.com/office/drawing/2010/main" xmlns="" w="9525">
+                <a14:hiddenLine xmlns="" xmlns:a14="http://schemas.microsoft.com/office/drawing/2010/main" w="9525">
                   <a:solidFill>
                     <a:srgbClr val="000000"/>
                   </a:solidFill>
@@ -2066,7 +1992,7 @@
             </a:ln>
             <a:extLst>
               <a:ext uri="{91240B29-F687-4f45-9708-019B960494DF}">
-                <a14:hiddenLine xmlns:a14="http://schemas.microsoft.com/office/drawing/2010/main" xmlns="" w="9525">
+                <a14:hiddenLine xmlns="" xmlns:a14="http://schemas.microsoft.com/office/drawing/2010/main" w="9525">
                   <a:solidFill>
                     <a:srgbClr val="000000"/>
                   </a:solidFill>
@@ -2128,7 +2054,7 @@
             </a:ln>
             <a:extLst>
               <a:ext uri="{91240B29-F687-4f45-9708-019B960494DF}">
-                <a14:hiddenLine xmlns:a14="http://schemas.microsoft.com/office/drawing/2010/main" xmlns="" w="9525">
+                <a14:hiddenLine xmlns="" xmlns:a14="http://schemas.microsoft.com/office/drawing/2010/main" w="9525">
                   <a:solidFill>
                     <a:srgbClr val="000000"/>
                   </a:solidFill>
@@ -2218,7 +2144,7 @@
             </a:ln>
             <a:extLst>
               <a:ext uri="{91240B29-F687-4f45-9708-019B960494DF}">
-                <a14:hiddenLine xmlns:a14="http://schemas.microsoft.com/office/drawing/2010/main" xmlns="" w="9525">
+                <a14:hiddenLine xmlns="" xmlns:a14="http://schemas.microsoft.com/office/drawing/2010/main" w="9525">
                   <a:solidFill>
                     <a:srgbClr val="000000"/>
                   </a:solidFill>
@@ -2308,7 +2234,7 @@
             </a:ln>
             <a:extLst>
               <a:ext uri="{91240B29-F687-4f45-9708-019B960494DF}">
-                <a14:hiddenLine xmlns:a14="http://schemas.microsoft.com/office/drawing/2010/main" xmlns="" w="9525">
+                <a14:hiddenLine xmlns="" xmlns:a14="http://schemas.microsoft.com/office/drawing/2010/main" w="9525">
                   <a:solidFill>
                     <a:srgbClr val="000000"/>
                   </a:solidFill>
@@ -2370,7 +2296,7 @@
             </a:ln>
             <a:extLst>
               <a:ext uri="{91240B29-F687-4f45-9708-019B960494DF}">
-                <a14:hiddenLine xmlns:a14="http://schemas.microsoft.com/office/drawing/2010/main" xmlns="" w="9525">
+                <a14:hiddenLine xmlns="" xmlns:a14="http://schemas.microsoft.com/office/drawing/2010/main" w="9525">
                   <a:solidFill>
                     <a:srgbClr val="000000"/>
                   </a:solidFill>
@@ -2460,7 +2386,7 @@
             </a:ln>
             <a:extLst>
               <a:ext uri="{91240B29-F687-4f45-9708-019B960494DF}">
-                <a14:hiddenLine xmlns:a14="http://schemas.microsoft.com/office/drawing/2010/main" xmlns="" w="9525">
+                <a14:hiddenLine xmlns="" xmlns:a14="http://schemas.microsoft.com/office/drawing/2010/main" w="9525">
                   <a:solidFill>
                     <a:srgbClr val="000000"/>
                   </a:solidFill>
@@ -2550,7 +2476,7 @@
             </a:ln>
             <a:extLst>
               <a:ext uri="{91240B29-F687-4f45-9708-019B960494DF}">
-                <a14:hiddenLine xmlns:a14="http://schemas.microsoft.com/office/drawing/2010/main" xmlns="" w="9525">
+                <a14:hiddenLine xmlns="" xmlns:a14="http://schemas.microsoft.com/office/drawing/2010/main" w="9525">
                   <a:solidFill>
                     <a:srgbClr val="000000"/>
                   </a:solidFill>
@@ -2606,7 +2532,7 @@
             </a:ln>
             <a:extLst>
               <a:ext uri="{91240B29-F687-4f45-9708-019B960494DF}">
-                <a14:hiddenLine xmlns:a14="http://schemas.microsoft.com/office/drawing/2010/main" xmlns="" w="9525">
+                <a14:hiddenLine xmlns="" xmlns:a14="http://schemas.microsoft.com/office/drawing/2010/main" w="9525">
                   <a:solidFill>
                     <a:srgbClr val="000000"/>
                   </a:solidFill>
@@ -2696,7 +2622,7 @@
             </a:ln>
             <a:extLst>
               <a:ext uri="{91240B29-F687-4f45-9708-019B960494DF}">
-                <a14:hiddenLine xmlns:a14="http://schemas.microsoft.com/office/drawing/2010/main" xmlns="" w="9525">
+                <a14:hiddenLine xmlns="" xmlns:a14="http://schemas.microsoft.com/office/drawing/2010/main" w="9525">
                   <a:solidFill>
                     <a:srgbClr val="000000"/>
                   </a:solidFill>
@@ -2752,7 +2678,7 @@
             </a:ln>
             <a:extLst>
               <a:ext uri="{91240B29-F687-4f45-9708-019B960494DF}">
-                <a14:hiddenLine xmlns:a14="http://schemas.microsoft.com/office/drawing/2010/main" xmlns="" w="9525">
+                <a14:hiddenLine xmlns="" xmlns:a14="http://schemas.microsoft.com/office/drawing/2010/main" w="9525">
                   <a:solidFill>
                     <a:srgbClr val="000000"/>
                   </a:solidFill>
@@ -2842,7 +2768,7 @@
             </a:ln>
             <a:extLst>
               <a:ext uri="{91240B29-F687-4f45-9708-019B960494DF}">
-                <a14:hiddenLine xmlns:a14="http://schemas.microsoft.com/office/drawing/2010/main" xmlns="" w="9525">
+                <a14:hiddenLine xmlns="" xmlns:a14="http://schemas.microsoft.com/office/drawing/2010/main" w="9525">
                   <a:solidFill>
                     <a:srgbClr val="000000"/>
                   </a:solidFill>
@@ -2910,7 +2836,7 @@
             </a:ln>
             <a:extLst>
               <a:ext uri="{91240B29-F687-4f45-9708-019B960494DF}">
-                <a14:hiddenLine xmlns:a14="http://schemas.microsoft.com/office/drawing/2010/main" xmlns="" w="9525">
+                <a14:hiddenLine xmlns="" xmlns:a14="http://schemas.microsoft.com/office/drawing/2010/main" w="9525">
                   <a:solidFill>
                     <a:srgbClr val="000000"/>
                   </a:solidFill>
@@ -3000,7 +2926,7 @@
             </a:ln>
             <a:extLst>
               <a:ext uri="{91240B29-F687-4f45-9708-019B960494DF}">
-                <a14:hiddenLine xmlns:a14="http://schemas.microsoft.com/office/drawing/2010/main" xmlns="" w="9525">
+                <a14:hiddenLine xmlns="" xmlns:a14="http://schemas.microsoft.com/office/drawing/2010/main" w="9525">
                   <a:solidFill>
                     <a:srgbClr val="000000"/>
                   </a:solidFill>
@@ -3068,7 +2994,7 @@
             </a:ln>
             <a:extLst>
               <a:ext uri="{91240B29-F687-4f45-9708-019B960494DF}">
-                <a14:hiddenLine xmlns:a14="http://schemas.microsoft.com/office/drawing/2010/main" xmlns="" w="9525">
+                <a14:hiddenLine xmlns="" xmlns:a14="http://schemas.microsoft.com/office/drawing/2010/main" w="9525">
                   <a:solidFill>
                     <a:srgbClr val="000000"/>
                   </a:solidFill>
@@ -3158,7 +3084,7 @@
             </a:ln>
             <a:extLst>
               <a:ext uri="{91240B29-F687-4f45-9708-019B960494DF}">
-                <a14:hiddenLine xmlns:a14="http://schemas.microsoft.com/office/drawing/2010/main" xmlns="" w="9525">
+                <a14:hiddenLine xmlns="" xmlns:a14="http://schemas.microsoft.com/office/drawing/2010/main" w="9525">
                   <a:solidFill>
                     <a:srgbClr val="000000"/>
                   </a:solidFill>
@@ -3192,7 +3118,7 @@
             </a:ln>
             <a:extLst>
               <a:ext uri="{91240B29-F687-4f45-9708-019B960494DF}">
-                <a14:hiddenLine xmlns:a14="http://schemas.microsoft.com/office/drawing/2010/main" xmlns="" w="9525">
+                <a14:hiddenLine xmlns="" xmlns:a14="http://schemas.microsoft.com/office/drawing/2010/main" w="9525">
                   <a:solidFill>
                     <a:srgbClr val="000000"/>
                   </a:solidFill>
@@ -3282,7 +3208,7 @@
             </a:ln>
             <a:extLst>
               <a:ext uri="{91240B29-F687-4f45-9708-019B960494DF}">
-                <a14:hiddenLine xmlns:a14="http://schemas.microsoft.com/office/drawing/2010/main" xmlns="" w="9525">
+                <a14:hiddenLine xmlns="" xmlns:a14="http://schemas.microsoft.com/office/drawing/2010/main" w="9525">
                   <a:solidFill>
                     <a:srgbClr val="000000"/>
                   </a:solidFill>
@@ -3344,7 +3270,7 @@
             </a:ln>
             <a:extLst>
               <a:ext uri="{91240B29-F687-4f45-9708-019B960494DF}">
-                <a14:hiddenLine xmlns:a14="http://schemas.microsoft.com/office/drawing/2010/main" xmlns="" w="9525">
+                <a14:hiddenLine xmlns="" xmlns:a14="http://schemas.microsoft.com/office/drawing/2010/main" w="9525">
                   <a:solidFill>
                     <a:srgbClr val="000000"/>
                   </a:solidFill>
@@ -3406,7 +3332,7 @@
             </a:ln>
             <a:extLst>
               <a:ext uri="{91240B29-F687-4f45-9708-019B960494DF}">
-                <a14:hiddenLine xmlns:a14="http://schemas.microsoft.com/office/drawing/2010/main" xmlns="" w="9525">
+                <a14:hiddenLine xmlns="" xmlns:a14="http://schemas.microsoft.com/office/drawing/2010/main" w="9525">
                   <a:solidFill>
                     <a:srgbClr val="000000"/>
                   </a:solidFill>
@@ -3496,7 +3422,7 @@
             </a:ln>
             <a:extLst>
               <a:ext uri="{91240B29-F687-4f45-9708-019B960494DF}">
-                <a14:hiddenLine xmlns:a14="http://schemas.microsoft.com/office/drawing/2010/main" xmlns="" w="9525">
+                <a14:hiddenLine xmlns="" xmlns:a14="http://schemas.microsoft.com/office/drawing/2010/main" w="9525">
                   <a:solidFill>
                     <a:srgbClr val="000000"/>
                   </a:solidFill>
@@ -3564,7 +3490,7 @@
             </a:ln>
             <a:extLst>
               <a:ext uri="{91240B29-F687-4f45-9708-019B960494DF}">
-                <a14:hiddenLine xmlns:a14="http://schemas.microsoft.com/office/drawing/2010/main" xmlns="" w="9525">
+                <a14:hiddenLine xmlns="" xmlns:a14="http://schemas.microsoft.com/office/drawing/2010/main" w="9525">
                   <a:solidFill>
                     <a:srgbClr val="000000"/>
                   </a:solidFill>
@@ -3626,7 +3552,7 @@
             </a:ln>
             <a:extLst>
               <a:ext uri="{91240B29-F687-4f45-9708-019B960494DF}">
-                <a14:hiddenLine xmlns:a14="http://schemas.microsoft.com/office/drawing/2010/main" xmlns="" w="9525">
+                <a14:hiddenLine xmlns="" xmlns:a14="http://schemas.microsoft.com/office/drawing/2010/main" w="9525">
                   <a:solidFill>
                     <a:srgbClr val="000000"/>
                   </a:solidFill>
@@ -3716,7 +3642,7 @@
             </a:ln>
             <a:extLst>
               <a:ext uri="{91240B29-F687-4f45-9708-019B960494DF}">
-                <a14:hiddenLine xmlns:a14="http://schemas.microsoft.com/office/drawing/2010/main" xmlns="" w="9525">
+                <a14:hiddenLine xmlns="" xmlns:a14="http://schemas.microsoft.com/office/drawing/2010/main" w="9525">
                   <a:solidFill>
                     <a:srgbClr val="000000"/>
                   </a:solidFill>
@@ -3778,7 +3704,7 @@
             </a:ln>
             <a:extLst>
               <a:ext uri="{91240B29-F687-4f45-9708-019B960494DF}">
-                <a14:hiddenLine xmlns:a14="http://schemas.microsoft.com/office/drawing/2010/main" xmlns="" w="9525">
+                <a14:hiddenLine xmlns="" xmlns:a14="http://schemas.microsoft.com/office/drawing/2010/main" w="9525">
                   <a:solidFill>
                     <a:srgbClr val="000000"/>
                   </a:solidFill>
@@ -3868,7 +3794,7 @@
             </a:ln>
             <a:extLst>
               <a:ext uri="{91240B29-F687-4f45-9708-019B960494DF}">
-                <a14:hiddenLine xmlns:a14="http://schemas.microsoft.com/office/drawing/2010/main" xmlns="" w="9525">
+                <a14:hiddenLine xmlns="" xmlns:a14="http://schemas.microsoft.com/office/drawing/2010/main" w="9525">
                   <a:solidFill>
                     <a:srgbClr val="000000"/>
                   </a:solidFill>
@@ -3930,7 +3856,7 @@
             </a:ln>
             <a:extLst>
               <a:ext uri="{91240B29-F687-4f45-9708-019B960494DF}">
-                <a14:hiddenLine xmlns:a14="http://schemas.microsoft.com/office/drawing/2010/main" xmlns="" w="9525">
+                <a14:hiddenLine xmlns="" xmlns:a14="http://schemas.microsoft.com/office/drawing/2010/main" w="9525">
                   <a:solidFill>
                     <a:srgbClr val="000000"/>
                   </a:solidFill>
@@ -4020,7 +3946,7 @@
             </a:ln>
             <a:extLst>
               <a:ext uri="{91240B29-F687-4f45-9708-019B960494DF}">
-                <a14:hiddenLine xmlns:a14="http://schemas.microsoft.com/office/drawing/2010/main" xmlns="" w="9525">
+                <a14:hiddenLine xmlns="" xmlns:a14="http://schemas.microsoft.com/office/drawing/2010/main" w="9525">
                   <a:solidFill>
                     <a:srgbClr val="000000"/>
                   </a:solidFill>
@@ -4054,7 +3980,7 @@
             </a:ln>
             <a:extLst>
               <a:ext uri="{91240B29-F687-4f45-9708-019B960494DF}">
-                <a14:hiddenLine xmlns:a14="http://schemas.microsoft.com/office/drawing/2010/main" xmlns="" w="9525">
+                <a14:hiddenLine xmlns="" xmlns:a14="http://schemas.microsoft.com/office/drawing/2010/main" w="9525">
                   <a:solidFill>
                     <a:srgbClr val="000000"/>
                   </a:solidFill>
@@ -4119,7 +4045,7 @@
             </a:ln>
             <a:extLst>
               <a:ext uri="{91240B29-F687-4f45-9708-019B960494DF}">
-                <a14:hiddenLine xmlns:a14="http://schemas.microsoft.com/office/drawing/2010/main" xmlns="" w="9525">
+                <a14:hiddenLine xmlns="" xmlns:a14="http://schemas.microsoft.com/office/drawing/2010/main" w="9525">
                   <a:solidFill>
                     <a:srgbClr val="000000"/>
                   </a:solidFill>
@@ -4209,7 +4135,7 @@
             </a:ln>
             <a:extLst>
               <a:ext uri="{91240B29-F687-4f45-9708-019B960494DF}">
-                <a14:hiddenLine xmlns:a14="http://schemas.microsoft.com/office/drawing/2010/main" xmlns="" w="9525">
+                <a14:hiddenLine xmlns="" xmlns:a14="http://schemas.microsoft.com/office/drawing/2010/main" w="9525">
                   <a:solidFill>
                     <a:srgbClr val="000000"/>
                   </a:solidFill>
@@ -4271,7 +4197,7 @@
             </a:ln>
             <a:extLst>
               <a:ext uri="{91240B29-F687-4f45-9708-019B960494DF}">
-                <a14:hiddenLine xmlns:a14="http://schemas.microsoft.com/office/drawing/2010/main" xmlns="" w="9525">
+                <a14:hiddenLine xmlns="" xmlns:a14="http://schemas.microsoft.com/office/drawing/2010/main" w="9525">
                   <a:solidFill>
                     <a:srgbClr val="000000"/>
                   </a:solidFill>
@@ -4361,7 +4287,7 @@
             </a:ln>
             <a:extLst>
               <a:ext uri="{91240B29-F687-4f45-9708-019B960494DF}">
-                <a14:hiddenLine xmlns:a14="http://schemas.microsoft.com/office/drawing/2010/main" xmlns="" w="9525">
+                <a14:hiddenLine xmlns="" xmlns:a14="http://schemas.microsoft.com/office/drawing/2010/main" w="9525">
                   <a:solidFill>
                     <a:srgbClr val="000000"/>
                   </a:solidFill>
@@ -4451,7 +4377,7 @@
             </a:ln>
             <a:extLst>
               <a:ext uri="{91240B29-F687-4f45-9708-019B960494DF}">
-                <a14:hiddenLine xmlns:a14="http://schemas.microsoft.com/office/drawing/2010/main" xmlns="" w="9525">
+                <a14:hiddenLine xmlns="" xmlns:a14="http://schemas.microsoft.com/office/drawing/2010/main" w="9525">
                   <a:solidFill>
                     <a:srgbClr val="000000"/>
                   </a:solidFill>
@@ -4516,7 +4442,7 @@
             </a:ln>
             <a:extLst>
               <a:ext uri="{91240B29-F687-4f45-9708-019B960494DF}">
-                <a14:hiddenLine xmlns:a14="http://schemas.microsoft.com/office/drawing/2010/main" xmlns="" w="9525">
+                <a14:hiddenLine xmlns="" xmlns:a14="http://schemas.microsoft.com/office/drawing/2010/main" w="9525">
                   <a:solidFill>
                     <a:srgbClr val="000000"/>
                   </a:solidFill>
@@ -4578,7 +4504,7 @@
             </a:ln>
             <a:extLst>
               <a:ext uri="{91240B29-F687-4f45-9708-019B960494DF}">
-                <a14:hiddenLine xmlns:a14="http://schemas.microsoft.com/office/drawing/2010/main" xmlns="" w="9525">
+                <a14:hiddenLine xmlns="" xmlns:a14="http://schemas.microsoft.com/office/drawing/2010/main" w="9525">
                   <a:solidFill>
                     <a:srgbClr val="000000"/>
                   </a:solidFill>
@@ -4668,7 +4594,7 @@
             </a:ln>
             <a:extLst>
               <a:ext uri="{91240B29-F687-4f45-9708-019B960494DF}">
-                <a14:hiddenLine xmlns:a14="http://schemas.microsoft.com/office/drawing/2010/main" xmlns="" w="9525">
+                <a14:hiddenLine xmlns="" xmlns:a14="http://schemas.microsoft.com/office/drawing/2010/main" w="9525">
                   <a:solidFill>
                     <a:srgbClr val="000000"/>
                   </a:solidFill>
@@ -4758,7 +4684,7 @@
             </a:ln>
             <a:extLst>
               <a:ext uri="{91240B29-F687-4f45-9708-019B960494DF}">
-                <a14:hiddenLine xmlns:a14="http://schemas.microsoft.com/office/drawing/2010/main" xmlns="" w="9525">
+                <a14:hiddenLine xmlns="" xmlns:a14="http://schemas.microsoft.com/office/drawing/2010/main" w="9525">
                   <a:solidFill>
                     <a:srgbClr val="000000"/>
                   </a:solidFill>
@@ -4820,7 +4746,7 @@
             </a:ln>
             <a:extLst>
               <a:ext uri="{91240B29-F687-4f45-9708-019B960494DF}">
-                <a14:hiddenLine xmlns:a14="http://schemas.microsoft.com/office/drawing/2010/main" xmlns="" w="9525">
+                <a14:hiddenLine xmlns="" xmlns:a14="http://schemas.microsoft.com/office/drawing/2010/main" w="9525">
                   <a:solidFill>
                     <a:srgbClr val="000000"/>
                   </a:solidFill>
@@ -4940,7 +4866,7 @@
             </a:ln>
             <a:extLst>
               <a:ext uri="{91240B29-F687-4f45-9708-019B960494DF}">
-                <a14:hiddenLine xmlns:a14="http://schemas.microsoft.com/office/drawing/2010/main" xmlns="" w="9525">
+                <a14:hiddenLine xmlns="" xmlns:a14="http://schemas.microsoft.com/office/drawing/2010/main" w="9525">
                   <a:solidFill>
                     <a:srgbClr val="000000"/>
                   </a:solidFill>
@@ -5008,7 +4934,7 @@
             </a:ln>
             <a:extLst>
               <a:ext uri="{91240B29-F687-4f45-9708-019B960494DF}">
-                <a14:hiddenLine xmlns:a14="http://schemas.microsoft.com/office/drawing/2010/main" xmlns="" w="9525">
+                <a14:hiddenLine xmlns="" xmlns:a14="http://schemas.microsoft.com/office/drawing/2010/main" w="9525">
                   <a:solidFill>
                     <a:srgbClr val="000000"/>
                   </a:solidFill>
@@ -5098,7 +5024,7 @@
             </a:ln>
             <a:extLst>
               <a:ext uri="{91240B29-F687-4f45-9708-019B960494DF}">
-                <a14:hiddenLine xmlns:a14="http://schemas.microsoft.com/office/drawing/2010/main" xmlns="" w="9525">
+                <a14:hiddenLine xmlns="" xmlns:a14="http://schemas.microsoft.com/office/drawing/2010/main" w="9525">
                   <a:solidFill>
                     <a:srgbClr val="000000"/>
                   </a:solidFill>
@@ -9820,7 +9746,7 @@
           <a:noFill/>
           <a:extLst>
             <a:ext uri="{909E8E84-426E-40dd-AFC4-6F175D3DCCD1}">
-              <a14:hiddenFill xmlns:a14="http://schemas.microsoft.com/office/drawing/2010/main" xmlns="">
+              <a14:hiddenFill xmlns="" xmlns:a14="http://schemas.microsoft.com/office/drawing/2010/main">
                 <a:solidFill>
                   <a:srgbClr val="FFFFFF"/>
                 </a:solidFill>
@@ -9894,7 +9820,7 @@
               </a:ln>
               <a:extLst>
                 <a:ext uri="{91240B29-F687-4f45-9708-019B960494DF}">
-                  <a14:hiddenLine xmlns:a14="http://schemas.microsoft.com/office/drawing/2010/main" xmlns="" w="9525">
+                  <a14:hiddenLine xmlns="" xmlns:a14="http://schemas.microsoft.com/office/drawing/2010/main" w="9525">
                     <a:solidFill>
                       <a:srgbClr val="000000"/>
                     </a:solidFill>
@@ -9984,7 +9910,7 @@
               </a:ln>
               <a:extLst>
                 <a:ext uri="{91240B29-F687-4f45-9708-019B960494DF}">
-                  <a14:hiddenLine xmlns:a14="http://schemas.microsoft.com/office/drawing/2010/main" xmlns="" w="9525">
+                  <a14:hiddenLine xmlns="" xmlns:a14="http://schemas.microsoft.com/office/drawing/2010/main" w="9525">
                     <a:solidFill>
                       <a:srgbClr val="000000"/>
                     </a:solidFill>
@@ -10074,7 +10000,7 @@
               </a:ln>
               <a:extLst>
                 <a:ext uri="{91240B29-F687-4f45-9708-019B960494DF}">
-                  <a14:hiddenLine xmlns:a14="http://schemas.microsoft.com/office/drawing/2010/main" xmlns="" w="9525">
+                  <a14:hiddenLine xmlns="" xmlns:a14="http://schemas.microsoft.com/office/drawing/2010/main" w="9525">
                     <a:solidFill>
                       <a:srgbClr val="000000"/>
                     </a:solidFill>
@@ -10136,7 +10062,7 @@
               </a:ln>
               <a:extLst>
                 <a:ext uri="{91240B29-F687-4f45-9708-019B960494DF}">
-                  <a14:hiddenLine xmlns:a14="http://schemas.microsoft.com/office/drawing/2010/main" xmlns="" w="9525">
+                  <a14:hiddenLine xmlns="" xmlns:a14="http://schemas.microsoft.com/office/drawing/2010/main" w="9525">
                     <a:solidFill>
                       <a:srgbClr val="000000"/>
                     </a:solidFill>
@@ -10226,7 +10152,7 @@
               </a:ln>
               <a:extLst>
                 <a:ext uri="{91240B29-F687-4f45-9708-019B960494DF}">
-                  <a14:hiddenLine xmlns:a14="http://schemas.microsoft.com/office/drawing/2010/main" xmlns="" w="9525">
+                  <a14:hiddenLine xmlns="" xmlns:a14="http://schemas.microsoft.com/office/drawing/2010/main" w="9525">
                     <a:solidFill>
                       <a:srgbClr val="000000"/>
                     </a:solidFill>
@@ -10288,7 +10214,7 @@
               </a:ln>
               <a:extLst>
                 <a:ext uri="{91240B29-F687-4f45-9708-019B960494DF}">
-                  <a14:hiddenLine xmlns:a14="http://schemas.microsoft.com/office/drawing/2010/main" xmlns="" w="9525">
+                  <a14:hiddenLine xmlns="" xmlns:a14="http://schemas.microsoft.com/office/drawing/2010/main" w="9525">
                     <a:solidFill>
                       <a:srgbClr val="000000"/>
                     </a:solidFill>
@@ -10350,7 +10276,7 @@
               </a:ln>
               <a:extLst>
                 <a:ext uri="{91240B29-F687-4f45-9708-019B960494DF}">
-                  <a14:hiddenLine xmlns:a14="http://schemas.microsoft.com/office/drawing/2010/main" xmlns="" w="9525">
+                  <a14:hiddenLine xmlns="" xmlns:a14="http://schemas.microsoft.com/office/drawing/2010/main" w="9525">
                     <a:solidFill>
                       <a:srgbClr val="000000"/>
                     </a:solidFill>
@@ -10440,7 +10366,7 @@
               </a:ln>
               <a:extLst>
                 <a:ext uri="{91240B29-F687-4f45-9708-019B960494DF}">
-                  <a14:hiddenLine xmlns:a14="http://schemas.microsoft.com/office/drawing/2010/main" xmlns="" w="9525">
+                  <a14:hiddenLine xmlns="" xmlns:a14="http://schemas.microsoft.com/office/drawing/2010/main" w="9525">
                     <a:solidFill>
                       <a:srgbClr val="000000"/>
                     </a:solidFill>
@@ -10530,7 +10456,7 @@
               </a:ln>
               <a:extLst>
                 <a:ext uri="{91240B29-F687-4f45-9708-019B960494DF}">
-                  <a14:hiddenLine xmlns:a14="http://schemas.microsoft.com/office/drawing/2010/main" xmlns="" w="9525">
+                  <a14:hiddenLine xmlns="" xmlns:a14="http://schemas.microsoft.com/office/drawing/2010/main" w="9525">
                     <a:solidFill>
                       <a:srgbClr val="000000"/>
                     </a:solidFill>
@@ -10592,7 +10518,7 @@
               </a:ln>
               <a:extLst>
                 <a:ext uri="{91240B29-F687-4f45-9708-019B960494DF}">
-                  <a14:hiddenLine xmlns:a14="http://schemas.microsoft.com/office/drawing/2010/main" xmlns="" w="9525">
+                  <a14:hiddenLine xmlns="" xmlns:a14="http://schemas.microsoft.com/office/drawing/2010/main" w="9525">
                     <a:solidFill>
                       <a:srgbClr val="000000"/>
                     </a:solidFill>
@@ -10702,7 +10628,7 @@
               </a:ln>
               <a:extLst>
                 <a:ext uri="{91240B29-F687-4f45-9708-019B960494DF}">
-                  <a14:hiddenLine xmlns:a14="http://schemas.microsoft.com/office/drawing/2010/main" xmlns="" w="9525">
+                  <a14:hiddenLine xmlns="" xmlns:a14="http://schemas.microsoft.com/office/drawing/2010/main" w="9525">
                     <a:solidFill>
                       <a:srgbClr val="000000"/>
                     </a:solidFill>
@@ -10786,7 +10712,7 @@
               </a:ln>
               <a:extLst>
                 <a:ext uri="{91240B29-F687-4f45-9708-019B960494DF}">
-                  <a14:hiddenLine xmlns:a14="http://schemas.microsoft.com/office/drawing/2010/main" xmlns="" w="9525">
+                  <a14:hiddenLine xmlns="" xmlns:a14="http://schemas.microsoft.com/office/drawing/2010/main" w="9525">
                     <a:solidFill>
                       <a:srgbClr val="000000"/>
                     </a:solidFill>
@@ -10848,7 +10774,7 @@
               </a:ln>
               <a:extLst>
                 <a:ext uri="{91240B29-F687-4f45-9708-019B960494DF}">
-                  <a14:hiddenLine xmlns:a14="http://schemas.microsoft.com/office/drawing/2010/main" xmlns="" w="9525">
+                  <a14:hiddenLine xmlns="" xmlns:a14="http://schemas.microsoft.com/office/drawing/2010/main" w="9525">
                     <a:solidFill>
                       <a:srgbClr val="000000"/>
                     </a:solidFill>
@@ -10910,7 +10836,7 @@
               </a:ln>
               <a:extLst>
                 <a:ext uri="{91240B29-F687-4f45-9708-019B960494DF}">
-                  <a14:hiddenLine xmlns:a14="http://schemas.microsoft.com/office/drawing/2010/main" xmlns="" w="9525">
+                  <a14:hiddenLine xmlns="" xmlns:a14="http://schemas.microsoft.com/office/drawing/2010/main" w="9525">
                     <a:solidFill>
                       <a:srgbClr val="000000"/>
                     </a:solidFill>
@@ -11000,7 +10926,7 @@
               </a:ln>
               <a:extLst>
                 <a:ext uri="{91240B29-F687-4f45-9708-019B960494DF}">
-                  <a14:hiddenLine xmlns:a14="http://schemas.microsoft.com/office/drawing/2010/main" xmlns="" w="9525">
+                  <a14:hiddenLine xmlns="" xmlns:a14="http://schemas.microsoft.com/office/drawing/2010/main" w="9525">
                     <a:solidFill>
                       <a:srgbClr val="000000"/>
                     </a:solidFill>
@@ -11034,7 +10960,7 @@
               </a:ln>
               <a:extLst>
                 <a:ext uri="{91240B29-F687-4f45-9708-019B960494DF}">
-                  <a14:hiddenLine xmlns:a14="http://schemas.microsoft.com/office/drawing/2010/main" xmlns="" w="9525">
+                  <a14:hiddenLine xmlns="" xmlns:a14="http://schemas.microsoft.com/office/drawing/2010/main" w="9525">
                     <a:solidFill>
                       <a:srgbClr val="000000"/>
                     </a:solidFill>
@@ -11099,7 +11025,7 @@
               </a:ln>
               <a:extLst>
                 <a:ext uri="{91240B29-F687-4f45-9708-019B960494DF}">
-                  <a14:hiddenLine xmlns:a14="http://schemas.microsoft.com/office/drawing/2010/main" xmlns="" w="9525">
+                  <a14:hiddenLine xmlns="" xmlns:a14="http://schemas.microsoft.com/office/drawing/2010/main" w="9525">
                     <a:solidFill>
                       <a:srgbClr val="000000"/>
                     </a:solidFill>
@@ -11189,7 +11115,7 @@
               </a:ln>
               <a:extLst>
                 <a:ext uri="{91240B29-F687-4f45-9708-019B960494DF}">
-                  <a14:hiddenLine xmlns:a14="http://schemas.microsoft.com/office/drawing/2010/main" xmlns="" w="9525">
+                  <a14:hiddenLine xmlns="" xmlns:a14="http://schemas.microsoft.com/office/drawing/2010/main" w="9525">
                     <a:solidFill>
                       <a:srgbClr val="000000"/>
                     </a:solidFill>
@@ -11251,7 +11177,7 @@
               </a:ln>
               <a:extLst>
                 <a:ext uri="{91240B29-F687-4f45-9708-019B960494DF}">
-                  <a14:hiddenLine xmlns:a14="http://schemas.microsoft.com/office/drawing/2010/main" xmlns="" w="9525">
+                  <a14:hiddenLine xmlns="" xmlns:a14="http://schemas.microsoft.com/office/drawing/2010/main" w="9525">
                     <a:solidFill>
                       <a:srgbClr val="000000"/>
                     </a:solidFill>
@@ -11341,7 +11267,7 @@
               </a:ln>
               <a:extLst>
                 <a:ext uri="{91240B29-F687-4f45-9708-019B960494DF}">
-                  <a14:hiddenLine xmlns:a14="http://schemas.microsoft.com/office/drawing/2010/main" xmlns="" w="9525">
+                  <a14:hiddenLine xmlns="" xmlns:a14="http://schemas.microsoft.com/office/drawing/2010/main" w="9525">
                     <a:solidFill>
                       <a:srgbClr val="000000"/>
                     </a:solidFill>
@@ -11406,7 +11332,7 @@
               </a:ln>
               <a:extLst>
                 <a:ext uri="{91240B29-F687-4f45-9708-019B960494DF}">
-                  <a14:hiddenLine xmlns:a14="http://schemas.microsoft.com/office/drawing/2010/main" xmlns="" w="9525">
+                  <a14:hiddenLine xmlns="" xmlns:a14="http://schemas.microsoft.com/office/drawing/2010/main" w="9525">
                     <a:solidFill>
                       <a:srgbClr val="000000"/>
                     </a:solidFill>
@@ -11468,7 +11394,7 @@
               </a:ln>
               <a:extLst>
                 <a:ext uri="{91240B29-F687-4f45-9708-019B960494DF}">
-                  <a14:hiddenLine xmlns:a14="http://schemas.microsoft.com/office/drawing/2010/main" xmlns="" w="9525">
+                  <a14:hiddenLine xmlns="" xmlns:a14="http://schemas.microsoft.com/office/drawing/2010/main" w="9525">
                     <a:solidFill>
                       <a:srgbClr val="000000"/>
                     </a:solidFill>
@@ -11558,7 +11484,7 @@
               </a:ln>
               <a:extLst>
                 <a:ext uri="{91240B29-F687-4f45-9708-019B960494DF}">
-                  <a14:hiddenLine xmlns:a14="http://schemas.microsoft.com/office/drawing/2010/main" xmlns="" w="9525">
+                  <a14:hiddenLine xmlns="" xmlns:a14="http://schemas.microsoft.com/office/drawing/2010/main" w="9525">
                     <a:solidFill>
                       <a:srgbClr val="000000"/>
                     </a:solidFill>
@@ -11648,7 +11574,7 @@
               </a:ln>
               <a:extLst>
                 <a:ext uri="{91240B29-F687-4f45-9708-019B960494DF}">
-                  <a14:hiddenLine xmlns:a14="http://schemas.microsoft.com/office/drawing/2010/main" xmlns="" w="9525">
+                  <a14:hiddenLine xmlns="" xmlns:a14="http://schemas.microsoft.com/office/drawing/2010/main" w="9525">
                     <a:solidFill>
                       <a:srgbClr val="000000"/>
                     </a:solidFill>
@@ -11713,7 +11639,7 @@
               </a:ln>
               <a:extLst>
                 <a:ext uri="{91240B29-F687-4f45-9708-019B960494DF}">
-                  <a14:hiddenLine xmlns:a14="http://schemas.microsoft.com/office/drawing/2010/main" xmlns="" w="9525">
+                  <a14:hiddenLine xmlns="" xmlns:a14="http://schemas.microsoft.com/office/drawing/2010/main" w="9525">
                     <a:solidFill>
                       <a:srgbClr val="000000"/>
                     </a:solidFill>
@@ -11833,7 +11759,7 @@
               </a:ln>
               <a:extLst>
                 <a:ext uri="{91240B29-F687-4f45-9708-019B960494DF}">
-                  <a14:hiddenLine xmlns:a14="http://schemas.microsoft.com/office/drawing/2010/main" xmlns="" w="9525">
+                  <a14:hiddenLine xmlns="" xmlns:a14="http://schemas.microsoft.com/office/drawing/2010/main" w="9525">
                     <a:solidFill>
                       <a:srgbClr val="000000"/>
                     </a:solidFill>
@@ -11931,7 +11857,7 @@
               </a:ln>
               <a:extLst>
                 <a:ext uri="{91240B29-F687-4f45-9708-019B960494DF}">
-                  <a14:hiddenLine xmlns:a14="http://schemas.microsoft.com/office/drawing/2010/main" xmlns="" w="9525">
+                  <a14:hiddenLine xmlns="" xmlns:a14="http://schemas.microsoft.com/office/drawing/2010/main" w="9525">
                     <a:solidFill>
                       <a:srgbClr val="000000"/>
                     </a:solidFill>
@@ -12046,7 +11972,7 @@
               </a:ln>
               <a:extLst>
                 <a:ext uri="{91240B29-F687-4f45-9708-019B960494DF}">
-                  <a14:hiddenLine xmlns:a14="http://schemas.microsoft.com/office/drawing/2010/main" xmlns="" w="9525">
+                  <a14:hiddenLine xmlns="" xmlns:a14="http://schemas.microsoft.com/office/drawing/2010/main" w="9525">
                     <a:solidFill>
                       <a:srgbClr val="000000"/>
                     </a:solidFill>
@@ -12136,7 +12062,7 @@
               </a:ln>
               <a:extLst>
                 <a:ext uri="{91240B29-F687-4f45-9708-019B960494DF}">
-                  <a14:hiddenLine xmlns:a14="http://schemas.microsoft.com/office/drawing/2010/main" xmlns="" w="9525">
+                  <a14:hiddenLine xmlns="" xmlns:a14="http://schemas.microsoft.com/office/drawing/2010/main" w="9525">
                     <a:solidFill>
                       <a:srgbClr val="000000"/>
                     </a:solidFill>
@@ -12201,7 +12127,7 @@
               </a:ln>
               <a:extLst>
                 <a:ext uri="{91240B29-F687-4f45-9708-019B960494DF}">
-                  <a14:hiddenLine xmlns:a14="http://schemas.microsoft.com/office/drawing/2010/main" xmlns="" w="9525">
+                  <a14:hiddenLine xmlns="" xmlns:a14="http://schemas.microsoft.com/office/drawing/2010/main" w="9525">
                     <a:solidFill>
                       <a:srgbClr val="000000"/>
                     </a:solidFill>
@@ -12291,7 +12217,7 @@
               </a:ln>
               <a:extLst>
                 <a:ext uri="{91240B29-F687-4f45-9708-019B960494DF}">
-                  <a14:hiddenLine xmlns:a14="http://schemas.microsoft.com/office/drawing/2010/main" xmlns="" w="9525">
+                  <a14:hiddenLine xmlns="" xmlns:a14="http://schemas.microsoft.com/office/drawing/2010/main" w="9525">
                     <a:solidFill>
                       <a:srgbClr val="000000"/>
                     </a:solidFill>
@@ -12359,7 +12285,7 @@
               </a:ln>
               <a:extLst>
                 <a:ext uri="{91240B29-F687-4f45-9708-019B960494DF}">
-                  <a14:hiddenLine xmlns:a14="http://schemas.microsoft.com/office/drawing/2010/main" xmlns="" w="9525">
+                  <a14:hiddenLine xmlns="" xmlns:a14="http://schemas.microsoft.com/office/drawing/2010/main" w="9525">
                     <a:solidFill>
                       <a:srgbClr val="000000"/>
                     </a:solidFill>
@@ -12449,7 +12375,7 @@
               </a:ln>
               <a:extLst>
                 <a:ext uri="{91240B29-F687-4f45-9708-019B960494DF}">
-                  <a14:hiddenLine xmlns:a14="http://schemas.microsoft.com/office/drawing/2010/main" xmlns="" w="9525">
+                  <a14:hiddenLine xmlns="" xmlns:a14="http://schemas.microsoft.com/office/drawing/2010/main" w="9525">
                     <a:solidFill>
                       <a:srgbClr val="000000"/>
                     </a:solidFill>
@@ -12517,7 +12443,7 @@
               </a:ln>
               <a:extLst>
                 <a:ext uri="{91240B29-F687-4f45-9708-019B960494DF}">
-                  <a14:hiddenLine xmlns:a14="http://schemas.microsoft.com/office/drawing/2010/main" xmlns="" w="9525">
+                  <a14:hiddenLine xmlns="" xmlns:a14="http://schemas.microsoft.com/office/drawing/2010/main" w="9525">
                     <a:solidFill>
                       <a:srgbClr val="000000"/>
                     </a:solidFill>
@@ -12607,7 +12533,7 @@
               </a:ln>
               <a:extLst>
                 <a:ext uri="{91240B29-F687-4f45-9708-019B960494DF}">
-                  <a14:hiddenLine xmlns:a14="http://schemas.microsoft.com/office/drawing/2010/main" xmlns="" w="9525">
+                  <a14:hiddenLine xmlns="" xmlns:a14="http://schemas.microsoft.com/office/drawing/2010/main" w="9525">
                     <a:solidFill>
                       <a:srgbClr val="000000"/>
                     </a:solidFill>
@@ -12641,7 +12567,7 @@
               </a:ln>
               <a:extLst>
                 <a:ext uri="{91240B29-F687-4f45-9708-019B960494DF}">
-                  <a14:hiddenLine xmlns:a14="http://schemas.microsoft.com/office/drawing/2010/main" xmlns="" w="9525">
+                  <a14:hiddenLine xmlns="" xmlns:a14="http://schemas.microsoft.com/office/drawing/2010/main" w="9525">
                     <a:solidFill>
                       <a:srgbClr val="000000"/>
                     </a:solidFill>
@@ -13777,7 +13703,27 @@
           <a:p>
             <a:r>
               <a:rPr lang="en-US" dirty="0"/>
-              <a:t>Testing coverage 64.4%</a:t>
+              <a:t>Testing coverage 62.4%</a:t>
+            </a:r>
+          </a:p>
+          <a:p>
+            <a:r>
+              <a:rPr lang="en-US" dirty="0"/>
+              <a:t>Need to delete in this order :   </a:t>
+            </a:r>
+            <a:r>
+              <a:rPr lang="en-US" dirty="0" err="1"/>
+              <a:t>Order_item</a:t>
+            </a:r>
+            <a:r>
+              <a:rPr lang="en-US" dirty="0"/>
+              <a:t>  </a:t>
+            </a:r>
+            <a:r>
+              <a:rPr lang="en-US" dirty="0">
+                <a:sym typeface="Wingdings" pitchFamily="2" charset="2"/>
+              </a:rPr>
+              <a:t>  Order    Customer, due to Foreign Keys being used in each table.</a:t>
             </a:r>
           </a:p>
         </p:txBody>
